--- a/工作文档/[项目总结6]郑传余.pptx
+++ b/工作文档/[项目总结6]郑传余.pptx
@@ -351,7 +351,7 @@
             <a:fld id="{651A0C47-018D-4460-B945-BFF7981B6CA6}" type="datetimeFigureOut">
               <a:rPr lang="en-US" smtClean="0"/>
               <a:pPr/>
-              <a:t>6/28/17</a:t>
+              <a:t>11/24/18</a:t>
             </a:fld>
             <a:endParaRPr lang="en-US"/>
           </a:p>
@@ -685,7 +685,7 @@
             <a:fld id="{651A0C47-018D-4460-B945-BFF7981B6CA6}" type="datetimeFigureOut">
               <a:rPr lang="en-US" smtClean="0"/>
               <a:pPr/>
-              <a:t>6/28/17</a:t>
+              <a:t>11/24/18</a:t>
             </a:fld>
             <a:endParaRPr lang="en-US"/>
           </a:p>
@@ -1019,7 +1019,7 @@
             <a:fld id="{651A0C47-018D-4460-B945-BFF7981B6CA6}" type="datetimeFigureOut">
               <a:rPr lang="en-US" smtClean="0"/>
               <a:pPr/>
-              <a:t>6/28/17</a:t>
+              <a:t>11/24/18</a:t>
             </a:fld>
             <a:endParaRPr lang="en-US"/>
           </a:p>
@@ -1353,7 +1353,7 @@
             <a:fld id="{651A0C47-018D-4460-B945-BFF7981B6CA6}" type="datetimeFigureOut">
               <a:rPr lang="en-US" smtClean="0"/>
               <a:pPr/>
-              <a:t>6/28/17</a:t>
+              <a:t>11/24/18</a:t>
             </a:fld>
             <a:endParaRPr lang="en-US"/>
           </a:p>
@@ -2044,7 +2044,7 @@
             <a:fld id="{651A0C47-018D-4460-B945-BFF7981B6CA6}" type="datetimeFigureOut">
               <a:rPr lang="en-US" smtClean="0"/>
               <a:pPr/>
-              <a:t>6/28/17</a:t>
+              <a:t>11/24/18</a:t>
             </a:fld>
             <a:endParaRPr lang="en-US"/>
           </a:p>
@@ -2225,7 +2225,7 @@
             <a:fld id="{651A0C47-018D-4460-B945-BFF7981B6CA6}" type="datetimeFigureOut">
               <a:rPr lang="en-US" smtClean="0"/>
               <a:pPr/>
-              <a:t>6/28/17</a:t>
+              <a:t>11/24/18</a:t>
             </a:fld>
             <a:endParaRPr lang="en-US"/>
           </a:p>
@@ -2401,7 +2401,7 @@
             <a:fld id="{651A0C47-018D-4460-B945-BFF7981B6CA6}" type="datetimeFigureOut">
               <a:rPr lang="en-US" smtClean="0"/>
               <a:pPr/>
-              <a:t>6/28/17</a:t>
+              <a:t>11/24/18</a:t>
             </a:fld>
             <a:endParaRPr lang="en-US"/>
           </a:p>
@@ -2651,7 +2651,7 @@
             <a:fld id="{651A0C47-018D-4460-B945-BFF7981B6CA6}" type="datetimeFigureOut">
               <a:rPr lang="en-US" smtClean="0"/>
               <a:pPr/>
-              <a:t>6/28/17</a:t>
+              <a:t>11/24/18</a:t>
             </a:fld>
             <a:endParaRPr lang="en-US"/>
           </a:p>
@@ -2983,7 +2983,7 @@
             <a:fld id="{651A0C47-018D-4460-B945-BFF7981B6CA6}" type="datetimeFigureOut">
               <a:rPr lang="en-US" smtClean="0"/>
               <a:pPr/>
-              <a:t>6/28/17</a:t>
+              <a:t>11/24/18</a:t>
             </a:fld>
             <a:endParaRPr lang="en-US"/>
           </a:p>
@@ -3277,7 +3277,7 @@
             <a:fld id="{651A0C47-018D-4460-B945-BFF7981B6CA6}" type="datetimeFigureOut">
               <a:rPr lang="en-US" smtClean="0"/>
               <a:pPr/>
-              <a:t>6/28/17</a:t>
+              <a:t>11/24/18</a:t>
             </a:fld>
             <a:endParaRPr lang="en-US"/>
           </a:p>
@@ -3715,7 +3715,7 @@
             <a:fld id="{651A0C47-018D-4460-B945-BFF7981B6CA6}" type="datetimeFigureOut">
               <a:rPr lang="en-US" smtClean="0"/>
               <a:pPr/>
-              <a:t>6/28/17</a:t>
+              <a:t>11/24/18</a:t>
             </a:fld>
             <a:endParaRPr lang="en-US"/>
           </a:p>
@@ -3904,7 +3904,7 @@
             <a:fld id="{651A0C47-018D-4460-B945-BFF7981B6CA6}" type="datetimeFigureOut">
               <a:rPr lang="en-US" smtClean="0"/>
               <a:pPr/>
-              <a:t>6/28/17</a:t>
+              <a:t>11/24/18</a:t>
             </a:fld>
             <a:endParaRPr lang="en-US"/>
           </a:p>
@@ -3996,7 +3996,7 @@
             <a:fld id="{651A0C47-018D-4460-B945-BFF7981B6CA6}" type="datetimeFigureOut">
               <a:rPr lang="en-US" smtClean="0"/>
               <a:pPr/>
-              <a:t>6/28/17</a:t>
+              <a:t>11/24/18</a:t>
             </a:fld>
             <a:endParaRPr lang="en-US"/>
           </a:p>
@@ -4279,7 +4279,7 @@
             <a:fld id="{651A0C47-018D-4460-B945-BFF7981B6CA6}" type="datetimeFigureOut">
               <a:rPr lang="en-US" smtClean="0"/>
               <a:pPr/>
-              <a:t>6/28/17</a:t>
+              <a:t>11/24/18</a:t>
             </a:fld>
             <a:endParaRPr lang="en-US"/>
           </a:p>
@@ -4496,7 +4496,7 @@
             <a:fld id="{651A0C47-018D-4460-B945-BFF7981B6CA6}" type="datetimeFigureOut">
               <a:rPr lang="en-US" smtClean="0"/>
               <a:pPr/>
-              <a:t>6/28/17</a:t>
+              <a:t>11/24/18</a:t>
             </a:fld>
             <a:endParaRPr lang="en-US"/>
           </a:p>
@@ -5142,19 +5142,7 @@
           <a:p>
             <a:r>
               <a:rPr lang="zh-CN" altLang="en-US" sz="1200" dirty="0" smtClean="0"/>
-              <a:t>灯</a:t>
-            </a:r>
-            <a:r>
-              <a:rPr lang="zh-CN" altLang="en-US" sz="1200" dirty="0" smtClean="0"/>
-              <a:t>、</a:t>
-            </a:r>
-            <a:r>
-              <a:rPr lang="zh-CN" altLang="en-US" sz="1200" dirty="0" smtClean="0"/>
-              <a:t>锁</a:t>
-            </a:r>
-            <a:r>
-              <a:rPr lang="zh-CN" altLang="en-US" sz="1200" dirty="0" smtClean="0"/>
-              <a:t>等</a:t>
+              <a:t>灯、锁等</a:t>
             </a:r>
             <a:endParaRPr lang="zh-CN" altLang="en-US" sz="1200" dirty="0"/>
           </a:p>
@@ -5585,7 +5573,7 @@
         <p:spPr>
           <a:xfrm>
             <a:off x="674005" y="2871572"/>
-            <a:ext cx="7749181" cy="1477328"/>
+            <a:ext cx="7749181" cy="1754326"/>
           </a:xfrm>
           <a:prstGeom prst="rect">
             <a:avLst/>
@@ -5611,11 +5599,7 @@
             </a:r>
             <a:r>
               <a:rPr lang="zh-CN" altLang="en-US" dirty="0" smtClean="0"/>
-              <a:t>、</a:t>
-            </a:r>
-            <a:r>
-              <a:rPr lang="zh-CN" altLang="en-US" dirty="0" smtClean="0"/>
-              <a:t>一次任务 </a:t>
+              <a:t>、一次任务 </a:t>
             </a:r>
             <a:r>
               <a:rPr lang="en-US" altLang="zh-CN" dirty="0" smtClean="0"/>
@@ -5680,8 +5664,15 @@
             </a:r>
             <a:r>
               <a:rPr lang="zh-CN" altLang="en-US" dirty="0" smtClean="0"/>
-              <a:t>、对接 用户体系</a:t>
-            </a:r>
+              <a:t>、对接 用户</a:t>
+            </a:r>
+            <a:r>
+              <a:rPr lang="zh-CN" altLang="en-US" dirty="0" smtClean="0"/>
+              <a:t>体系</a:t>
+            </a:r>
+            <a:endParaRPr lang="en-US" altLang="zh-CN" dirty="0" smtClean="0"/>
+          </a:p>
+          <a:p>
             <a:endParaRPr lang="zh-CN" altLang="en-US" dirty="0"/>
           </a:p>
         </p:txBody>
@@ -5882,7 +5873,6 @@
               <a:rPr lang="zh-CN" altLang="en-US" dirty="0"/>
               <a:t>组装与硬件调试</a:t>
             </a:r>
-            <a:endParaRPr lang="zh-CN" altLang="en-US" dirty="0"/>
           </a:p>
         </p:txBody>
       </p:sp>
@@ -5940,19 +5930,7 @@
           <a:p>
             <a:r>
               <a:rPr lang="zh-CN" altLang="en-US" sz="1200" dirty="0" smtClean="0"/>
-              <a:t>灯</a:t>
-            </a:r>
-            <a:r>
-              <a:rPr lang="zh-CN" altLang="en-US" sz="1200" dirty="0" smtClean="0"/>
-              <a:t>、</a:t>
-            </a:r>
-            <a:r>
-              <a:rPr lang="zh-CN" altLang="en-US" sz="1200" dirty="0" smtClean="0"/>
-              <a:t>锁</a:t>
-            </a:r>
-            <a:r>
-              <a:rPr lang="zh-CN" altLang="en-US" sz="1200" dirty="0" smtClean="0"/>
-              <a:t>等</a:t>
+              <a:t>灯、锁等</a:t>
             </a:r>
             <a:endParaRPr lang="zh-CN" altLang="en-US" sz="1200" dirty="0"/>
           </a:p>
